--- a/ppt_interface/test/generated_ppt.pptx
+++ b/ppt_interface/test/generated_ppt.pptx
@@ -21,64 +21,6 @@
     <p:sldId id="269" r:id="rId20"/>
     <p:sldId id="270" r:id="rId21"/>
     <p:sldId id="271" r:id="rId22"/>
-    <p:sldId id="272" r:id="rId23"/>
-    <p:sldId id="273" r:id="rId24"/>
-    <p:sldId id="274" r:id="rId25"/>
-    <p:sldId id="275" r:id="rId26"/>
-    <p:sldId id="276" r:id="rId27"/>
-    <p:sldId id="277" r:id="rId28"/>
-    <p:sldId id="278" r:id="rId29"/>
-    <p:sldId id="279" r:id="rId30"/>
-    <p:sldId id="280" r:id="rId31"/>
-    <p:sldId id="281" r:id="rId32"/>
-    <p:sldId id="282" r:id="rId33"/>
-    <p:sldId id="283" r:id="rId34"/>
-    <p:sldId id="284" r:id="rId35"/>
-    <p:sldId id="285" r:id="rId36"/>
-    <p:sldId id="286" r:id="rId37"/>
-    <p:sldId id="287" r:id="rId38"/>
-    <p:sldId id="288" r:id="rId39"/>
-    <p:sldId id="289" r:id="rId40"/>
-    <p:sldId id="290" r:id="rId41"/>
-    <p:sldId id="291" r:id="rId42"/>
-    <p:sldId id="292" r:id="rId43"/>
-    <p:sldId id="293" r:id="rId44"/>
-    <p:sldId id="294" r:id="rId45"/>
-    <p:sldId id="295" r:id="rId46"/>
-    <p:sldId id="296" r:id="rId47"/>
-    <p:sldId id="297" r:id="rId48"/>
-    <p:sldId id="298" r:id="rId49"/>
-    <p:sldId id="299" r:id="rId50"/>
-    <p:sldId id="300" r:id="rId51"/>
-    <p:sldId id="301" r:id="rId52"/>
-    <p:sldId id="302" r:id="rId53"/>
-    <p:sldId id="303" r:id="rId54"/>
-    <p:sldId id="304" r:id="rId55"/>
-    <p:sldId id="305" r:id="rId56"/>
-    <p:sldId id="306" r:id="rId57"/>
-    <p:sldId id="307" r:id="rId58"/>
-    <p:sldId id="308" r:id="rId59"/>
-    <p:sldId id="309" r:id="rId60"/>
-    <p:sldId id="310" r:id="rId61"/>
-    <p:sldId id="311" r:id="rId62"/>
-    <p:sldId id="312" r:id="rId63"/>
-    <p:sldId id="313" r:id="rId64"/>
-    <p:sldId id="314" r:id="rId65"/>
-    <p:sldId id="315" r:id="rId66"/>
-    <p:sldId id="316" r:id="rId67"/>
-    <p:sldId id="317" r:id="rId68"/>
-    <p:sldId id="318" r:id="rId69"/>
-    <p:sldId id="319" r:id="rId70"/>
-    <p:sldId id="320" r:id="rId71"/>
-    <p:sldId id="321" r:id="rId72"/>
-    <p:sldId id="322" r:id="rId73"/>
-    <p:sldId id="323" r:id="rId74"/>
-    <p:sldId id="324" r:id="rId75"/>
-    <p:sldId id="325" r:id="rId76"/>
-    <p:sldId id="326" r:id="rId77"/>
-    <p:sldId id="327" r:id="rId78"/>
-    <p:sldId id="328" r:id="rId79"/>
-    <p:sldId id="329" r:id="rId80"/>
   </p:sldIdLst>
   <p:sldSz cx="9144000" cy="6858000" type="screen4x3"/>
   <p:notesSz cx="6858000" cy="9144000"/>
@@ -3177,7 +3119,7 @@
           <a:lstStyle/>
           <a:p>
             <a:r>
-              <a:t>计算机导论</a:t>
+              <a:t>Access methods for time-evolving data</a:t>
             </a:r>
           </a:p>
         </p:txBody>
@@ -3216,7 +3158,7 @@
           <a:lstStyle/>
           <a:p>
             <a:r>
-              <a:t>计算机科学也是交叉学科</a:t>
+              <a:t>Efficient Method Design for Transaction</a:t>
             </a:r>
           </a:p>
         </p:txBody>
@@ -3255,7 +3197,7 @@
           <a:lstStyle/>
           <a:p>
             <a:r>
-              <a:t>开展交叉研究的典型人物</a:t>
+              <a:t>Comparison       – Transaction pure timeslice</a:t>
             </a:r>
           </a:p>
         </p:txBody>
@@ -3294,7 +3236,7 @@
           <a:lstStyle/>
           <a:p>
             <a:r>
-              <a:t>我生活的种种模式:赫尔伯特A西蒙自传(美)赫伯特A西蒙著 曹南燕秦裕林译1998年Models of My Life1996穿越歧路花园:司马贺传2009年Herbert A. Simon: The Bounds of Reason in Modern America, 2005</a:t>
+              <a:t>Transaction Pure Key</a:t>
             </a:r>
           </a:p>
         </p:txBody>
@@ -3333,7 +3275,7 @@
           <a:lstStyle/>
           <a:p>
             <a:r>
-              <a:t>从专业目录看计算机专业的发展</a:t>
+              <a:t>Costs                 – Transaction pure key</a:t>
             </a:r>
           </a:p>
         </p:txBody>
@@ -3372,7 +3314,7 @@
           <a:lstStyle/>
           <a:p>
             <a:r>
-              <a:t>从专业目录看计算机专业的发展</a:t>
+              <a:t>Transaction Range-Timeslice</a:t>
             </a:r>
           </a:p>
         </p:txBody>
@@ -3411,7 +3353,7 @@
           <a:lstStyle/>
           <a:p>
             <a:r>
-              <a:t>从专业目录看与其他学科的交叉</a:t>
+              <a:t>References</a:t>
             </a:r>
           </a:p>
         </p:txBody>
@@ -3448,128 +3390,7 @@
         <p:txBody>
           <a:bodyPr/>
           <a:lstStyle/>
-          <a:p>
-            <a:r>
-              <a:t>国内人工智能学科设置情况</a:t>
-            </a:r>
-          </a:p>
-        </p:txBody>
-      </p:sp>
-    </p:spTree>
-  </p:cSld>
-  <p:clrMapOvr>
-    <a:masterClrMapping/>
-  </p:clrMapOvr>
-</p:sld>
-</file>
-
-<file path=ppt/slides/slide17.xml><?xml version="1.0" encoding="utf-8"?>
-<p:sld xmlns:a="http://schemas.openxmlformats.org/drawingml/2006/main" xmlns:p="http://schemas.openxmlformats.org/presentationml/2006/main" xmlns:r="http://schemas.openxmlformats.org/officeDocument/2006/relationships">
-  <p:cSld>
-    <p:spTree>
-      <p:nvGrpSpPr>
-        <p:cNvPr id="1" name=""/>
-        <p:cNvGrpSpPr/>
-        <p:nvPr/>
-      </p:nvGrpSpPr>
-      <p:grpSpPr/>
-      <p:sp>
-        <p:nvSpPr>
-          <p:cNvPr id="2" name="Title 1"/>
-          <p:cNvSpPr>
-            <a:spLocks noGrp="1"/>
-          </p:cNvSpPr>
-          <p:nvPr>
-            <p:ph type="title"/>
-          </p:nvPr>
-        </p:nvSpPr>
-        <p:spPr/>
-        <p:txBody>
-          <a:bodyPr/>
-          <a:lstStyle/>
-          <a:p>
-            <a:r>
-              <a:t>人工智能交叉学科性质</a:t>
-            </a:r>
-          </a:p>
-        </p:txBody>
-      </p:sp>
-    </p:spTree>
-  </p:cSld>
-  <p:clrMapOvr>
-    <a:masterClrMapping/>
-  </p:clrMapOvr>
-</p:sld>
-</file>
-
-<file path=ppt/slides/slide18.xml><?xml version="1.0" encoding="utf-8"?>
-<p:sld xmlns:a="http://schemas.openxmlformats.org/drawingml/2006/main" xmlns:p="http://schemas.openxmlformats.org/presentationml/2006/main" xmlns:r="http://schemas.openxmlformats.org/officeDocument/2006/relationships">
-  <p:cSld>
-    <p:spTree>
-      <p:nvGrpSpPr>
-        <p:cNvPr id="1" name=""/>
-        <p:cNvGrpSpPr/>
-        <p:nvPr/>
-      </p:nvGrpSpPr>
-      <p:grpSpPr/>
-      <p:sp>
-        <p:nvSpPr>
-          <p:cNvPr id="2" name="Title 1"/>
-          <p:cNvSpPr>
-            <a:spLocks noGrp="1"/>
-          </p:cNvSpPr>
-          <p:nvPr>
-            <p:ph type="title"/>
-          </p:nvPr>
-        </p:nvSpPr>
-        <p:spPr/>
-        <p:txBody>
-          <a:bodyPr/>
-          <a:lstStyle/>
-          <a:p>
-            <a:r>
-              <a:t>与传统计算机人才培养的异同</a:t>
-            </a:r>
-          </a:p>
-        </p:txBody>
-      </p:sp>
-    </p:spTree>
-  </p:cSld>
-  <p:clrMapOvr>
-    <a:masterClrMapping/>
-  </p:clrMapOvr>
-</p:sld>
-</file>
-
-<file path=ppt/slides/slide19.xml><?xml version="1.0" encoding="utf-8"?>
-<p:sld xmlns:a="http://schemas.openxmlformats.org/drawingml/2006/main" xmlns:p="http://schemas.openxmlformats.org/presentationml/2006/main" xmlns:r="http://schemas.openxmlformats.org/officeDocument/2006/relationships">
-  <p:cSld>
-    <p:spTree>
-      <p:nvGrpSpPr>
-        <p:cNvPr id="1" name=""/>
-        <p:cNvGrpSpPr/>
-        <p:nvPr/>
-      </p:nvGrpSpPr>
-      <p:grpSpPr/>
-      <p:sp>
-        <p:nvSpPr>
-          <p:cNvPr id="2" name="Title 1"/>
-          <p:cNvSpPr>
-            <a:spLocks noGrp="1"/>
-          </p:cNvSpPr>
-          <p:nvPr>
-            <p:ph type="title"/>
-          </p:nvPr>
-        </p:nvSpPr>
-        <p:spPr/>
-        <p:txBody>
-          <a:bodyPr/>
-          <a:lstStyle/>
-          <a:p>
-            <a:r>
-              <a:t>计算机学科与理工医商的交叉融合</a:t>
-            </a:r>
-          </a:p>
+          <a:p/>
         </p:txBody>
       </p:sp>
     </p:spTree>
@@ -3606,397 +3427,7 @@
           <a:lstStyle/>
           <a:p>
             <a:r>
-              <a:t>课程介绍</a:t>
-            </a:r>
-          </a:p>
-        </p:txBody>
-      </p:sp>
-    </p:spTree>
-  </p:cSld>
-  <p:clrMapOvr>
-    <a:masterClrMapping/>
-  </p:clrMapOvr>
-</p:sld>
-</file>
-
-<file path=ppt/slides/slide20.xml><?xml version="1.0" encoding="utf-8"?>
-<p:sld xmlns:a="http://schemas.openxmlformats.org/drawingml/2006/main" xmlns:p="http://schemas.openxmlformats.org/presentationml/2006/main" xmlns:r="http://schemas.openxmlformats.org/officeDocument/2006/relationships">
-  <p:cSld>
-    <p:spTree>
-      <p:nvGrpSpPr>
-        <p:cNvPr id="1" name=""/>
-        <p:cNvGrpSpPr/>
-        <p:nvPr/>
-      </p:nvGrpSpPr>
-      <p:grpSpPr/>
-      <p:sp>
-        <p:nvSpPr>
-          <p:cNvPr id="2" name="Title 1"/>
-          <p:cNvSpPr>
-            <a:spLocks noGrp="1"/>
-          </p:cNvSpPr>
-          <p:nvPr>
-            <p:ph type="title"/>
-          </p:nvPr>
-        </p:nvSpPr>
-        <p:spPr/>
-        <p:txBody>
-          <a:bodyPr/>
-          <a:lstStyle/>
-          <a:p>
-            <a:r>
-              <a:t>科学与科学思维</a:t>
-            </a:r>
-          </a:p>
-        </p:txBody>
-      </p:sp>
-    </p:spTree>
-  </p:cSld>
-  <p:clrMapOvr>
-    <a:masterClrMapping/>
-  </p:clrMapOvr>
-</p:sld>
-</file>
-
-<file path=ppt/slides/slide21.xml><?xml version="1.0" encoding="utf-8"?>
-<p:sld xmlns:a="http://schemas.openxmlformats.org/drawingml/2006/main" xmlns:p="http://schemas.openxmlformats.org/presentationml/2006/main" xmlns:r="http://schemas.openxmlformats.org/officeDocument/2006/relationships">
-  <p:cSld>
-    <p:spTree>
-      <p:nvGrpSpPr>
-        <p:cNvPr id="1" name=""/>
-        <p:cNvGrpSpPr/>
-        <p:nvPr/>
-      </p:nvGrpSpPr>
-      <p:grpSpPr/>
-      <p:sp>
-        <p:nvSpPr>
-          <p:cNvPr id="2" name="Title 1"/>
-          <p:cNvSpPr>
-            <a:spLocks noGrp="1"/>
-          </p:cNvSpPr>
-          <p:nvPr>
-            <p:ph type="title"/>
-          </p:nvPr>
-        </p:nvSpPr>
-        <p:spPr/>
-        <p:txBody>
-          <a:bodyPr/>
-          <a:lstStyle/>
-          <a:p>
-            <a:r>
-              <a:t>计算思维的提出</a:t>
-            </a:r>
-          </a:p>
-        </p:txBody>
-      </p:sp>
-    </p:spTree>
-  </p:cSld>
-  <p:clrMapOvr>
-    <a:masterClrMapping/>
-  </p:clrMapOvr>
-</p:sld>
-</file>
-
-<file path=ppt/slides/slide22.xml><?xml version="1.0" encoding="utf-8"?>
-<p:sld xmlns:a="http://schemas.openxmlformats.org/drawingml/2006/main" xmlns:p="http://schemas.openxmlformats.org/presentationml/2006/main" xmlns:r="http://schemas.openxmlformats.org/officeDocument/2006/relationships">
-  <p:cSld>
-    <p:spTree>
-      <p:nvGrpSpPr>
-        <p:cNvPr id="1" name=""/>
-        <p:cNvGrpSpPr/>
-        <p:nvPr/>
-      </p:nvGrpSpPr>
-      <p:grpSpPr/>
-      <p:sp>
-        <p:nvSpPr>
-          <p:cNvPr id="2" name="Title 1"/>
-          <p:cNvSpPr>
-            <a:spLocks noGrp="1"/>
-          </p:cNvSpPr>
-          <p:nvPr>
-            <p:ph type="title"/>
-          </p:nvPr>
-        </p:nvSpPr>
-        <p:spPr/>
-        <p:txBody>
-          <a:bodyPr/>
-          <a:lstStyle/>
-          <a:p>
-            <a:r>
-              <a:t>计算思维的提出</a:t>
-            </a:r>
-          </a:p>
-        </p:txBody>
-      </p:sp>
-    </p:spTree>
-  </p:cSld>
-  <p:clrMapOvr>
-    <a:masterClrMapping/>
-  </p:clrMapOvr>
-</p:sld>
-</file>
-
-<file path=ppt/slides/slide23.xml><?xml version="1.0" encoding="utf-8"?>
-<p:sld xmlns:a="http://schemas.openxmlformats.org/drawingml/2006/main" xmlns:p="http://schemas.openxmlformats.org/presentationml/2006/main" xmlns:r="http://schemas.openxmlformats.org/officeDocument/2006/relationships">
-  <p:cSld>
-    <p:spTree>
-      <p:nvGrpSpPr>
-        <p:cNvPr id="1" name=""/>
-        <p:cNvGrpSpPr/>
-        <p:nvPr/>
-      </p:nvGrpSpPr>
-      <p:grpSpPr/>
-      <p:sp>
-        <p:nvSpPr>
-          <p:cNvPr id="2" name="Title 1"/>
-          <p:cNvSpPr>
-            <a:spLocks noGrp="1"/>
-          </p:cNvSpPr>
-          <p:nvPr>
-            <p:ph type="title"/>
-          </p:nvPr>
-        </p:nvSpPr>
-        <p:spPr/>
-        <p:txBody>
-          <a:bodyPr/>
-          <a:lstStyle/>
-          <a:p>
-            <a:r>
-              <a:t>计算思维概念</a:t>
-            </a:r>
-          </a:p>
-        </p:txBody>
-      </p:sp>
-    </p:spTree>
-  </p:cSld>
-  <p:clrMapOvr>
-    <a:masterClrMapping/>
-  </p:clrMapOvr>
-</p:sld>
-</file>
-
-<file path=ppt/slides/slide24.xml><?xml version="1.0" encoding="utf-8"?>
-<p:sld xmlns:a="http://schemas.openxmlformats.org/drawingml/2006/main" xmlns:p="http://schemas.openxmlformats.org/presentationml/2006/main" xmlns:r="http://schemas.openxmlformats.org/officeDocument/2006/relationships">
-  <p:cSld>
-    <p:spTree>
-      <p:nvGrpSpPr>
-        <p:cNvPr id="1" name=""/>
-        <p:cNvGrpSpPr/>
-        <p:nvPr/>
-      </p:nvGrpSpPr>
-      <p:grpSpPr/>
-      <p:sp>
-        <p:nvSpPr>
-          <p:cNvPr id="2" name="Title 1"/>
-          <p:cNvSpPr>
-            <a:spLocks noGrp="1"/>
-          </p:cNvSpPr>
-          <p:nvPr>
-            <p:ph type="title"/>
-          </p:nvPr>
-        </p:nvSpPr>
-        <p:spPr/>
-        <p:txBody>
-          <a:bodyPr/>
-          <a:lstStyle/>
-          <a:p>
-            <a:r>
-              <a:t>计算思维——抽象与模拟</a:t>
-            </a:r>
-          </a:p>
-        </p:txBody>
-      </p:sp>
-    </p:spTree>
-  </p:cSld>
-  <p:clrMapOvr>
-    <a:masterClrMapping/>
-  </p:clrMapOvr>
-</p:sld>
-</file>
-
-<file path=ppt/slides/slide25.xml><?xml version="1.0" encoding="utf-8"?>
-<p:sld xmlns:a="http://schemas.openxmlformats.org/drawingml/2006/main" xmlns:p="http://schemas.openxmlformats.org/presentationml/2006/main" xmlns:r="http://schemas.openxmlformats.org/officeDocument/2006/relationships">
-  <p:cSld>
-    <p:spTree>
-      <p:nvGrpSpPr>
-        <p:cNvPr id="1" name=""/>
-        <p:cNvGrpSpPr/>
-        <p:nvPr/>
-      </p:nvGrpSpPr>
-      <p:grpSpPr/>
-      <p:sp>
-        <p:nvSpPr>
-          <p:cNvPr id="2" name="Title 1"/>
-          <p:cNvSpPr>
-            <a:spLocks noGrp="1"/>
-          </p:cNvSpPr>
-          <p:nvPr>
-            <p:ph type="title"/>
-          </p:nvPr>
-        </p:nvSpPr>
-        <p:spPr/>
-        <p:txBody>
-          <a:bodyPr/>
-          <a:lstStyle/>
-          <a:p>
-            <a:r>
-              <a:t>计算思维——多学科交叉</a:t>
-            </a:r>
-          </a:p>
-        </p:txBody>
-      </p:sp>
-    </p:spTree>
-  </p:cSld>
-  <p:clrMapOvr>
-    <a:masterClrMapping/>
-  </p:clrMapOvr>
-</p:sld>
-</file>
-
-<file path=ppt/slides/slide26.xml><?xml version="1.0" encoding="utf-8"?>
-<p:sld xmlns:a="http://schemas.openxmlformats.org/drawingml/2006/main" xmlns:p="http://schemas.openxmlformats.org/presentationml/2006/main" xmlns:r="http://schemas.openxmlformats.org/officeDocument/2006/relationships">
-  <p:cSld>
-    <p:spTree>
-      <p:nvGrpSpPr>
-        <p:cNvPr id="1" name=""/>
-        <p:cNvGrpSpPr/>
-        <p:nvPr/>
-      </p:nvGrpSpPr>
-      <p:grpSpPr/>
-      <p:sp>
-        <p:nvSpPr>
-          <p:cNvPr id="2" name="Title 1"/>
-          <p:cNvSpPr>
-            <a:spLocks noGrp="1"/>
-          </p:cNvSpPr>
-          <p:nvPr>
-            <p:ph type="title"/>
-          </p:nvPr>
-        </p:nvSpPr>
-        <p:spPr/>
-        <p:txBody>
-          <a:bodyPr/>
-          <a:lstStyle/>
-          <a:p>
-            <a:r>
-              <a:t>计算思维——多学科交叉</a:t>
-            </a:r>
-          </a:p>
-        </p:txBody>
-      </p:sp>
-    </p:spTree>
-  </p:cSld>
-  <p:clrMapOvr>
-    <a:masterClrMapping/>
-  </p:clrMapOvr>
-</p:sld>
-</file>
-
-<file path=ppt/slides/slide27.xml><?xml version="1.0" encoding="utf-8"?>
-<p:sld xmlns:a="http://schemas.openxmlformats.org/drawingml/2006/main" xmlns:p="http://schemas.openxmlformats.org/presentationml/2006/main" xmlns:r="http://schemas.openxmlformats.org/officeDocument/2006/relationships">
-  <p:cSld>
-    <p:spTree>
-      <p:nvGrpSpPr>
-        <p:cNvPr id="1" name=""/>
-        <p:cNvGrpSpPr/>
-        <p:nvPr/>
-      </p:nvGrpSpPr>
-      <p:grpSpPr/>
-      <p:sp>
-        <p:nvSpPr>
-          <p:cNvPr id="2" name="Title 1"/>
-          <p:cNvSpPr>
-            <a:spLocks noGrp="1"/>
-          </p:cNvSpPr>
-          <p:nvPr>
-            <p:ph type="title"/>
-          </p:nvPr>
-        </p:nvSpPr>
-        <p:spPr/>
-        <p:txBody>
-          <a:bodyPr/>
-          <a:lstStyle/>
-          <a:p>
-            <a:r>
-              <a:t>计算思维——多学科交叉</a:t>
-            </a:r>
-          </a:p>
-        </p:txBody>
-      </p:sp>
-    </p:spTree>
-  </p:cSld>
-  <p:clrMapOvr>
-    <a:masterClrMapping/>
-  </p:clrMapOvr>
-</p:sld>
-</file>
-
-<file path=ppt/slides/slide28.xml><?xml version="1.0" encoding="utf-8"?>
-<p:sld xmlns:a="http://schemas.openxmlformats.org/drawingml/2006/main" xmlns:p="http://schemas.openxmlformats.org/presentationml/2006/main" xmlns:r="http://schemas.openxmlformats.org/officeDocument/2006/relationships">
-  <p:cSld>
-    <p:spTree>
-      <p:nvGrpSpPr>
-        <p:cNvPr id="1" name=""/>
-        <p:cNvGrpSpPr/>
-        <p:nvPr/>
-      </p:nvGrpSpPr>
-      <p:grpSpPr/>
-      <p:sp>
-        <p:nvSpPr>
-          <p:cNvPr id="2" name="Title 1"/>
-          <p:cNvSpPr>
-            <a:spLocks noGrp="1"/>
-          </p:cNvSpPr>
-          <p:nvPr>
-            <p:ph type="title"/>
-          </p:nvPr>
-        </p:nvSpPr>
-        <p:spPr/>
-        <p:txBody>
-          <a:bodyPr/>
-          <a:lstStyle/>
-          <a:p>
-            <a:r>
-              <a:t>https:www.tiobe.comtiobe-indexThe index can be used to check whether your programming skills are still up to date or to make a strategic decision about what programming language should be adopted when starting to build a new software system.</a:t>
-            </a:r>
-          </a:p>
-        </p:txBody>
-      </p:sp>
-    </p:spTree>
-  </p:cSld>
-  <p:clrMapOvr>
-    <a:masterClrMapping/>
-  </p:clrMapOvr>
-</p:sld>
-</file>
-
-<file path=ppt/slides/slide29.xml><?xml version="1.0" encoding="utf-8"?>
-<p:sld xmlns:a="http://schemas.openxmlformats.org/drawingml/2006/main" xmlns:p="http://schemas.openxmlformats.org/presentationml/2006/main" xmlns:r="http://schemas.openxmlformats.org/officeDocument/2006/relationships">
-  <p:cSld>
-    <p:spTree>
-      <p:nvGrpSpPr>
-        <p:cNvPr id="1" name=""/>
-        <p:cNvGrpSpPr/>
-        <p:nvPr/>
-      </p:nvGrpSpPr>
-      <p:grpSpPr/>
-      <p:sp>
-        <p:nvSpPr>
-          <p:cNvPr id="2" name="Title 1"/>
-          <p:cNvSpPr>
-            <a:spLocks noGrp="1"/>
-          </p:cNvSpPr>
-          <p:nvPr>
-            <p:ph type="title"/>
-          </p:nvPr>
-        </p:nvSpPr>
-        <p:spPr/>
-        <p:txBody>
-          <a:bodyPr/>
-          <a:lstStyle/>
-          <a:p>
-            <a:r>
-              <a:t>Slide 29</a:t>
+              <a:t>Outline</a:t>
             </a:r>
           </a:p>
         </p:txBody>
@@ -4035,397 +3466,7 @@
           <a:lstStyle/>
           <a:p>
             <a:r>
-              <a:t>课程信息</a:t>
-            </a:r>
-          </a:p>
-        </p:txBody>
-      </p:sp>
-    </p:spTree>
-  </p:cSld>
-  <p:clrMapOvr>
-    <a:masterClrMapping/>
-  </p:clrMapOvr>
-</p:sld>
-</file>
-
-<file path=ppt/slides/slide30.xml><?xml version="1.0" encoding="utf-8"?>
-<p:sld xmlns:a="http://schemas.openxmlformats.org/drawingml/2006/main" xmlns:p="http://schemas.openxmlformats.org/presentationml/2006/main" xmlns:r="http://schemas.openxmlformats.org/officeDocument/2006/relationships">
-  <p:cSld>
-    <p:spTree>
-      <p:nvGrpSpPr>
-        <p:cNvPr id="1" name=""/>
-        <p:cNvGrpSpPr/>
-        <p:nvPr/>
-      </p:nvGrpSpPr>
-      <p:grpSpPr/>
-      <p:sp>
-        <p:nvSpPr>
-          <p:cNvPr id="2" name="Title 1"/>
-          <p:cNvSpPr>
-            <a:spLocks noGrp="1"/>
-          </p:cNvSpPr>
-          <p:nvPr>
-            <p:ph type="title"/>
-          </p:nvPr>
-        </p:nvSpPr>
-        <p:spPr/>
-        <p:txBody>
-          <a:bodyPr/>
-          <a:lstStyle/>
-          <a:p>
-            <a:r>
-              <a:t>51 to 100(Visual) FoxPro, Apex, ATLAS, Awk, Bash, bc, Bourne shell, C shell, cg, CL (OS400), Clojure, Common Lisp, Crystal, cT, Curl, Elixir, Emacs Lisp, Forth, Hack, Icon, Inform, Io, J, JScript, Korn shell, Ladder Logic, Maple, MEL, Mercury, MQL4, NATURAL, OpenCL, Oz, PLI, Programming Without Coding Technology, Prolog, Pure Data, Q, Raku, Red, Ring, S, Smalltalk, SPARK, Stata, Tcl, VBScript, Verilog, VHDL, WebAssembly</a:t>
-            </a:r>
-          </a:p>
-        </p:txBody>
-      </p:sp>
-    </p:spTree>
-  </p:cSld>
-  <p:clrMapOvr>
-    <a:masterClrMapping/>
-  </p:clrMapOvr>
-</p:sld>
-</file>
-
-<file path=ppt/slides/slide31.xml><?xml version="1.0" encoding="utf-8"?>
-<p:sld xmlns:a="http://schemas.openxmlformats.org/drawingml/2006/main" xmlns:p="http://schemas.openxmlformats.org/presentationml/2006/main" xmlns:r="http://schemas.openxmlformats.org/officeDocument/2006/relationships">
-  <p:cSld>
-    <p:spTree>
-      <p:nvGrpSpPr>
-        <p:cNvPr id="1" name=""/>
-        <p:cNvGrpSpPr/>
-        <p:nvPr/>
-      </p:nvGrpSpPr>
-      <p:grpSpPr/>
-      <p:sp>
-        <p:nvSpPr>
-          <p:cNvPr id="2" name="Title 1"/>
-          <p:cNvSpPr>
-            <a:spLocks noGrp="1"/>
-          </p:cNvSpPr>
-          <p:nvPr>
-            <p:ph type="title"/>
-          </p:nvPr>
-        </p:nvSpPr>
-        <p:spPr/>
-        <p:txBody>
-          <a:bodyPr/>
-          <a:lstStyle/>
-          <a:p>
-            <a:r>
-              <a:t>程序设计语言</a:t>
-            </a:r>
-          </a:p>
-        </p:txBody>
-      </p:sp>
-    </p:spTree>
-  </p:cSld>
-  <p:clrMapOvr>
-    <a:masterClrMapping/>
-  </p:clrMapOvr>
-</p:sld>
-</file>
-
-<file path=ppt/slides/slide32.xml><?xml version="1.0" encoding="utf-8"?>
-<p:sld xmlns:a="http://schemas.openxmlformats.org/drawingml/2006/main" xmlns:p="http://schemas.openxmlformats.org/presentationml/2006/main" xmlns:r="http://schemas.openxmlformats.org/officeDocument/2006/relationships">
-  <p:cSld>
-    <p:spTree>
-      <p:nvGrpSpPr>
-        <p:cNvPr id="1" name=""/>
-        <p:cNvGrpSpPr/>
-        <p:nvPr/>
-      </p:nvGrpSpPr>
-      <p:grpSpPr/>
-      <p:sp>
-        <p:nvSpPr>
-          <p:cNvPr id="2" name="Title 1"/>
-          <p:cNvSpPr>
-            <a:spLocks noGrp="1"/>
-          </p:cNvSpPr>
-          <p:nvPr>
-            <p:ph type="title"/>
-          </p:nvPr>
-        </p:nvSpPr>
-        <p:spPr/>
-        <p:txBody>
-          <a:bodyPr/>
-          <a:lstStyle/>
-          <a:p>
-            <a:r>
-              <a:t>梅森质数(2p-1)</a:t>
-            </a:r>
-          </a:p>
-        </p:txBody>
-      </p:sp>
-    </p:spTree>
-  </p:cSld>
-  <p:clrMapOvr>
-    <a:masterClrMapping/>
-  </p:clrMapOvr>
-</p:sld>
-</file>
-
-<file path=ppt/slides/slide33.xml><?xml version="1.0" encoding="utf-8"?>
-<p:sld xmlns:a="http://schemas.openxmlformats.org/drawingml/2006/main" xmlns:p="http://schemas.openxmlformats.org/presentationml/2006/main" xmlns:r="http://schemas.openxmlformats.org/officeDocument/2006/relationships">
-  <p:cSld>
-    <p:spTree>
-      <p:nvGrpSpPr>
-        <p:cNvPr id="1" name=""/>
-        <p:cNvGrpSpPr/>
-        <p:nvPr/>
-      </p:nvGrpSpPr>
-      <p:grpSpPr/>
-      <p:sp>
-        <p:nvSpPr>
-          <p:cNvPr id="2" name="Title 1"/>
-          <p:cNvSpPr>
-            <a:spLocks noGrp="1"/>
-          </p:cNvSpPr>
-          <p:nvPr>
-            <p:ph type="title"/>
-          </p:nvPr>
-        </p:nvSpPr>
-        <p:spPr/>
-        <p:txBody>
-          <a:bodyPr/>
-          <a:lstStyle/>
-          <a:p>
-            <a:r>
-              <a:t>Slide 33</a:t>
-            </a:r>
-          </a:p>
-        </p:txBody>
-      </p:sp>
-    </p:spTree>
-  </p:cSld>
-  <p:clrMapOvr>
-    <a:masterClrMapping/>
-  </p:clrMapOvr>
-</p:sld>
-</file>
-
-<file path=ppt/slides/slide34.xml><?xml version="1.0" encoding="utf-8"?>
-<p:sld xmlns:a="http://schemas.openxmlformats.org/drawingml/2006/main" xmlns:p="http://schemas.openxmlformats.org/presentationml/2006/main" xmlns:r="http://schemas.openxmlformats.org/officeDocument/2006/relationships">
-  <p:cSld>
-    <p:spTree>
-      <p:nvGrpSpPr>
-        <p:cNvPr id="1" name=""/>
-        <p:cNvGrpSpPr/>
-        <p:nvPr/>
-      </p:nvGrpSpPr>
-      <p:grpSpPr/>
-      <p:sp>
-        <p:nvSpPr>
-          <p:cNvPr id="2" name="Title 1"/>
-          <p:cNvSpPr>
-            <a:spLocks noGrp="1"/>
-          </p:cNvSpPr>
-          <p:nvPr>
-            <p:ph type="title"/>
-          </p:nvPr>
-        </p:nvSpPr>
-        <p:spPr/>
-        <p:txBody>
-          <a:bodyPr/>
-          <a:lstStyle/>
-          <a:p>
-            <a:r>
-              <a:t>Python</a:t>
-            </a:r>
-          </a:p>
-        </p:txBody>
-      </p:sp>
-    </p:spTree>
-  </p:cSld>
-  <p:clrMapOvr>
-    <a:masterClrMapping/>
-  </p:clrMapOvr>
-</p:sld>
-</file>
-
-<file path=ppt/slides/slide35.xml><?xml version="1.0" encoding="utf-8"?>
-<p:sld xmlns:a="http://schemas.openxmlformats.org/drawingml/2006/main" xmlns:p="http://schemas.openxmlformats.org/presentationml/2006/main" xmlns:r="http://schemas.openxmlformats.org/officeDocument/2006/relationships">
-  <p:cSld>
-    <p:spTree>
-      <p:nvGrpSpPr>
-        <p:cNvPr id="1" name=""/>
-        <p:cNvGrpSpPr/>
-        <p:nvPr/>
-      </p:nvGrpSpPr>
-      <p:grpSpPr/>
-      <p:sp>
-        <p:nvSpPr>
-          <p:cNvPr id="2" name="Title 1"/>
-          <p:cNvSpPr>
-            <a:spLocks noGrp="1"/>
-          </p:cNvSpPr>
-          <p:nvPr>
-            <p:ph type="title"/>
-          </p:nvPr>
-        </p:nvSpPr>
-        <p:spPr/>
-        <p:txBody>
-          <a:bodyPr/>
-          <a:lstStyle/>
-          <a:p>
-            <a:r>
-              <a:t>Guido van Rossum(1956年1月31日生)</a:t>
-            </a:r>
-          </a:p>
-        </p:txBody>
-      </p:sp>
-    </p:spTree>
-  </p:cSld>
-  <p:clrMapOvr>
-    <a:masterClrMapping/>
-  </p:clrMapOvr>
-</p:sld>
-</file>
-
-<file path=ppt/slides/slide36.xml><?xml version="1.0" encoding="utf-8"?>
-<p:sld xmlns:a="http://schemas.openxmlformats.org/drawingml/2006/main" xmlns:p="http://schemas.openxmlformats.org/presentationml/2006/main" xmlns:r="http://schemas.openxmlformats.org/officeDocument/2006/relationships">
-  <p:cSld>
-    <p:spTree>
-      <p:nvGrpSpPr>
-        <p:cNvPr id="1" name=""/>
-        <p:cNvGrpSpPr/>
-        <p:nvPr/>
-      </p:nvGrpSpPr>
-      <p:grpSpPr/>
-      <p:sp>
-        <p:nvSpPr>
-          <p:cNvPr id="2" name="Title 1"/>
-          <p:cNvSpPr>
-            <a:spLocks noGrp="1"/>
-          </p:cNvSpPr>
-          <p:nvPr>
-            <p:ph type="title"/>
-          </p:nvPr>
-        </p:nvSpPr>
-        <p:spPr/>
-        <p:txBody>
-          <a:bodyPr/>
-          <a:lstStyle/>
-          <a:p>
-            <a:r>
-              <a:t>Slide 36</a:t>
-            </a:r>
-          </a:p>
-        </p:txBody>
-      </p:sp>
-    </p:spTree>
-  </p:cSld>
-  <p:clrMapOvr>
-    <a:masterClrMapping/>
-  </p:clrMapOvr>
-</p:sld>
-</file>
-
-<file path=ppt/slides/slide37.xml><?xml version="1.0" encoding="utf-8"?>
-<p:sld xmlns:a="http://schemas.openxmlformats.org/drawingml/2006/main" xmlns:p="http://schemas.openxmlformats.org/presentationml/2006/main" xmlns:r="http://schemas.openxmlformats.org/officeDocument/2006/relationships">
-  <p:cSld>
-    <p:spTree>
-      <p:nvGrpSpPr>
-        <p:cNvPr id="1" name=""/>
-        <p:cNvGrpSpPr/>
-        <p:nvPr/>
-      </p:nvGrpSpPr>
-      <p:grpSpPr/>
-      <p:sp>
-        <p:nvSpPr>
-          <p:cNvPr id="2" name="Title 1"/>
-          <p:cNvSpPr>
-            <a:spLocks noGrp="1"/>
-          </p:cNvSpPr>
-          <p:nvPr>
-            <p:ph type="title"/>
-          </p:nvPr>
-        </p:nvSpPr>
-        <p:spPr/>
-        <p:txBody>
-          <a:bodyPr/>
-          <a:lstStyle/>
-          <a:p>
-            <a:r>
-              <a:t>为什么选择Python</a:t>
-            </a:r>
-          </a:p>
-        </p:txBody>
-      </p:sp>
-    </p:spTree>
-  </p:cSld>
-  <p:clrMapOvr>
-    <a:masterClrMapping/>
-  </p:clrMapOvr>
-</p:sld>
-</file>
-
-<file path=ppt/slides/slide38.xml><?xml version="1.0" encoding="utf-8"?>
-<p:sld xmlns:a="http://schemas.openxmlformats.org/drawingml/2006/main" xmlns:p="http://schemas.openxmlformats.org/presentationml/2006/main" xmlns:r="http://schemas.openxmlformats.org/officeDocument/2006/relationships">
-  <p:cSld>
-    <p:spTree>
-      <p:nvGrpSpPr>
-        <p:cNvPr id="1" name=""/>
-        <p:cNvGrpSpPr/>
-        <p:nvPr/>
-      </p:nvGrpSpPr>
-      <p:grpSpPr/>
-      <p:sp>
-        <p:nvSpPr>
-          <p:cNvPr id="2" name="Title 1"/>
-          <p:cNvSpPr>
-            <a:spLocks noGrp="1"/>
-          </p:cNvSpPr>
-          <p:nvPr>
-            <p:ph type="title"/>
-          </p:nvPr>
-        </p:nvSpPr>
-        <p:spPr/>
-        <p:txBody>
-          <a:bodyPr/>
-          <a:lstStyle/>
-          <a:p>
-            <a:r>
-              <a:t>当代计算机科学的三个基本问题</a:t>
-            </a:r>
-          </a:p>
-        </p:txBody>
-      </p:sp>
-    </p:spTree>
-  </p:cSld>
-  <p:clrMapOvr>
-    <a:masterClrMapping/>
-  </p:clrMapOvr>
-</p:sld>
-</file>
-
-<file path=ppt/slides/slide39.xml><?xml version="1.0" encoding="utf-8"?>
-<p:sld xmlns:a="http://schemas.openxmlformats.org/drawingml/2006/main" xmlns:p="http://schemas.openxmlformats.org/presentationml/2006/main" xmlns:r="http://schemas.openxmlformats.org/officeDocument/2006/relationships">
-  <p:cSld>
-    <p:spTree>
-      <p:nvGrpSpPr>
-        <p:cNvPr id="1" name=""/>
-        <p:cNvGrpSpPr/>
-        <p:nvPr/>
-      </p:nvGrpSpPr>
-      <p:grpSpPr/>
-      <p:sp>
-        <p:nvSpPr>
-          <p:cNvPr id="2" name="Title 1"/>
-          <p:cNvSpPr>
-            <a:spLocks noGrp="1"/>
-          </p:cNvSpPr>
-          <p:nvPr>
-            <p:ph type="title"/>
-          </p:nvPr>
-        </p:nvSpPr>
-        <p:spPr/>
-        <p:txBody>
-          <a:bodyPr/>
-          <a:lstStyle/>
-          <a:p>
-            <a:r>
-              <a:t>巴贝奇问题构造计算机</a:t>
+              <a:t>Introduction</a:t>
             </a:r>
           </a:p>
         </p:txBody>
@@ -4464,397 +3505,7 @@
           <a:lstStyle/>
           <a:p>
             <a:r>
-              <a:t>课程信息</a:t>
-            </a:r>
-          </a:p>
-        </p:txBody>
-      </p:sp>
-    </p:spTree>
-  </p:cSld>
-  <p:clrMapOvr>
-    <a:masterClrMapping/>
-  </p:clrMapOvr>
-</p:sld>
-</file>
-
-<file path=ppt/slides/slide40.xml><?xml version="1.0" encoding="utf-8"?>
-<p:sld xmlns:a="http://schemas.openxmlformats.org/drawingml/2006/main" xmlns:p="http://schemas.openxmlformats.org/presentationml/2006/main" xmlns:r="http://schemas.openxmlformats.org/officeDocument/2006/relationships">
-  <p:cSld>
-    <p:spTree>
-      <p:nvGrpSpPr>
-        <p:cNvPr id="1" name=""/>
-        <p:cNvGrpSpPr/>
-        <p:nvPr/>
-      </p:nvGrpSpPr>
-      <p:grpSpPr/>
-      <p:sp>
-        <p:nvSpPr>
-          <p:cNvPr id="2" name="Title 1"/>
-          <p:cNvSpPr>
-            <a:spLocks noGrp="1"/>
-          </p:cNvSpPr>
-          <p:nvPr>
-            <p:ph type="title"/>
-          </p:nvPr>
-        </p:nvSpPr>
-        <p:spPr/>
-        <p:txBody>
-          <a:bodyPr/>
-          <a:lstStyle/>
-          <a:p>
-            <a:r>
-              <a:t>计算机能够求解任意可计算问题图灵机是通用计算机</a:t>
-            </a:r>
-          </a:p>
-        </p:txBody>
-      </p:sp>
-    </p:spTree>
-  </p:cSld>
-  <p:clrMapOvr>
-    <a:masterClrMapping/>
-  </p:clrMapOvr>
-</p:sld>
-</file>
-
-<file path=ppt/slides/slide41.xml><?xml version="1.0" encoding="utf-8"?>
-<p:sld xmlns:a="http://schemas.openxmlformats.org/drawingml/2006/main" xmlns:p="http://schemas.openxmlformats.org/presentationml/2006/main" xmlns:r="http://schemas.openxmlformats.org/officeDocument/2006/relationships">
-  <p:cSld>
-    <p:spTree>
-      <p:nvGrpSpPr>
-        <p:cNvPr id="1" name=""/>
-        <p:cNvGrpSpPr/>
-        <p:nvPr/>
-      </p:nvGrpSpPr>
-      <p:grpSpPr/>
-      <p:sp>
-        <p:nvSpPr>
-          <p:cNvPr id="2" name="Title 1"/>
-          <p:cNvSpPr>
-            <a:spLocks noGrp="1"/>
-          </p:cNvSpPr>
-          <p:nvPr>
-            <p:ph type="title"/>
-          </p:nvPr>
-        </p:nvSpPr>
-        <p:spPr/>
-        <p:txBody>
-          <a:bodyPr/>
-          <a:lstStyle/>
-          <a:p>
-            <a:r>
-              <a:t>图灵奖国际著名的计算机科学奖</a:t>
-            </a:r>
-          </a:p>
-        </p:txBody>
-      </p:sp>
-    </p:spTree>
-  </p:cSld>
-  <p:clrMapOvr>
-    <a:masterClrMapping/>
-  </p:clrMapOvr>
-</p:sld>
-</file>
-
-<file path=ppt/slides/slide42.xml><?xml version="1.0" encoding="utf-8"?>
-<p:sld xmlns:a="http://schemas.openxmlformats.org/drawingml/2006/main" xmlns:p="http://schemas.openxmlformats.org/presentationml/2006/main" xmlns:r="http://schemas.openxmlformats.org/officeDocument/2006/relationships">
-  <p:cSld>
-    <p:spTree>
-      <p:nvGrpSpPr>
-        <p:cNvPr id="1" name=""/>
-        <p:cNvGrpSpPr/>
-        <p:nvPr/>
-      </p:nvGrpSpPr>
-      <p:grpSpPr/>
-      <p:sp>
-        <p:nvSpPr>
-          <p:cNvPr id="2" name="Title 1"/>
-          <p:cNvSpPr>
-            <a:spLocks noGrp="1"/>
-          </p:cNvSpPr>
-          <p:nvPr>
-            <p:ph type="title"/>
-          </p:nvPr>
-        </p:nvSpPr>
-        <p:spPr/>
-        <p:txBody>
-          <a:bodyPr/>
-          <a:lstStyle/>
-          <a:p>
-            <a:r>
-              <a:t>ENIAC现代真实计算机的代表</a:t>
-            </a:r>
-          </a:p>
-        </p:txBody>
-      </p:sp>
-    </p:spTree>
-  </p:cSld>
-  <p:clrMapOvr>
-    <a:masterClrMapping/>
-  </p:clrMapOvr>
-</p:sld>
-</file>
-
-<file path=ppt/slides/slide43.xml><?xml version="1.0" encoding="utf-8"?>
-<p:sld xmlns:a="http://schemas.openxmlformats.org/drawingml/2006/main" xmlns:p="http://schemas.openxmlformats.org/presentationml/2006/main" xmlns:r="http://schemas.openxmlformats.org/officeDocument/2006/relationships">
-  <p:cSld>
-    <p:spTree>
-      <p:nvGrpSpPr>
-        <p:cNvPr id="1" name=""/>
-        <p:cNvGrpSpPr/>
-        <p:nvPr/>
-      </p:nvGrpSpPr>
-      <p:grpSpPr/>
-      <p:sp>
-        <p:nvSpPr>
-          <p:cNvPr id="2" name="Title 1"/>
-          <p:cNvSpPr>
-            <a:spLocks noGrp="1"/>
-          </p:cNvSpPr>
-          <p:nvPr>
-            <p:ph type="title"/>
-          </p:nvPr>
-        </p:nvSpPr>
-        <p:spPr/>
-        <p:txBody>
-          <a:bodyPr/>
-          <a:lstStyle/>
-          <a:p>
-            <a:r>
-              <a:t>当代计算机基本组成</a:t>
-            </a:r>
-          </a:p>
-        </p:txBody>
-      </p:sp>
-    </p:spTree>
-  </p:cSld>
-  <p:clrMapOvr>
-    <a:masterClrMapping/>
-  </p:clrMapOvr>
-</p:sld>
-</file>
-
-<file path=ppt/slides/slide44.xml><?xml version="1.0" encoding="utf-8"?>
-<p:sld xmlns:a="http://schemas.openxmlformats.org/drawingml/2006/main" xmlns:p="http://schemas.openxmlformats.org/presentationml/2006/main" xmlns:r="http://schemas.openxmlformats.org/officeDocument/2006/relationships">
-  <p:cSld>
-    <p:spTree>
-      <p:nvGrpSpPr>
-        <p:cNvPr id="1" name=""/>
-        <p:cNvGrpSpPr/>
-        <p:nvPr/>
-      </p:nvGrpSpPr>
-      <p:grpSpPr/>
-      <p:sp>
-        <p:nvSpPr>
-          <p:cNvPr id="2" name="Title 1"/>
-          <p:cNvSpPr>
-            <a:spLocks noGrp="1"/>
-          </p:cNvSpPr>
-          <p:nvPr>
-            <p:ph type="title"/>
-          </p:nvPr>
-        </p:nvSpPr>
-        <p:spPr/>
-        <p:txBody>
-          <a:bodyPr/>
-          <a:lstStyle/>
-          <a:p>
-            <a:r>
-              <a:t>今天有三大类计算机</a:t>
-            </a:r>
-          </a:p>
-        </p:txBody>
-      </p:sp>
-    </p:spTree>
-  </p:cSld>
-  <p:clrMapOvr>
-    <a:masterClrMapping/>
-  </p:clrMapOvr>
-</p:sld>
-</file>
-
-<file path=ppt/slides/slide45.xml><?xml version="1.0" encoding="utf-8"?>
-<p:sld xmlns:a="http://schemas.openxmlformats.org/drawingml/2006/main" xmlns:p="http://schemas.openxmlformats.org/presentationml/2006/main" xmlns:r="http://schemas.openxmlformats.org/officeDocument/2006/relationships">
-  <p:cSld>
-    <p:spTree>
-      <p:nvGrpSpPr>
-        <p:cNvPr id="1" name=""/>
-        <p:cNvGrpSpPr/>
-        <p:nvPr/>
-      </p:nvGrpSpPr>
-      <p:grpSpPr/>
-      <p:sp>
-        <p:nvSpPr>
-          <p:cNvPr id="2" name="Title 1"/>
-          <p:cNvSpPr>
-            <a:spLocks noGrp="1"/>
-          </p:cNvSpPr>
-          <p:nvPr>
-            <p:ph type="title"/>
-          </p:nvPr>
-        </p:nvSpPr>
-        <p:spPr/>
-        <p:txBody>
-          <a:bodyPr/>
-          <a:lstStyle/>
-          <a:p>
-            <a:r>
-              <a:t>机群cluster机柜rack1U机箱节点node互联</a:t>
-            </a:r>
-          </a:p>
-        </p:txBody>
-      </p:sp>
-    </p:spTree>
-  </p:cSld>
-  <p:clrMapOvr>
-    <a:masterClrMapping/>
-  </p:clrMapOvr>
-</p:sld>
-</file>
-
-<file path=ppt/slides/slide46.xml><?xml version="1.0" encoding="utf-8"?>
-<p:sld xmlns:a="http://schemas.openxmlformats.org/drawingml/2006/main" xmlns:p="http://schemas.openxmlformats.org/presentationml/2006/main" xmlns:r="http://schemas.openxmlformats.org/officeDocument/2006/relationships">
-  <p:cSld>
-    <p:spTree>
-      <p:nvGrpSpPr>
-        <p:cNvPr id="1" name=""/>
-        <p:cNvGrpSpPr/>
-        <p:nvPr/>
-      </p:nvGrpSpPr>
-      <p:grpSpPr/>
-      <p:sp>
-        <p:nvSpPr>
-          <p:cNvPr id="2" name="Title 1"/>
-          <p:cNvSpPr>
-            <a:spLocks noGrp="1"/>
-          </p:cNvSpPr>
-          <p:nvPr>
-            <p:ph type="title"/>
-          </p:nvPr>
-        </p:nvSpPr>
-        <p:spPr/>
-        <p:txBody>
-          <a:bodyPr/>
-          <a:lstStyle/>
-          <a:p>
-            <a:r>
-              <a:t>布什问题人-计算机-信息如何互联</a:t>
-            </a:r>
-          </a:p>
-        </p:txBody>
-      </p:sp>
-    </p:spTree>
-  </p:cSld>
-  <p:clrMapOvr>
-    <a:masterClrMapping/>
-  </p:clrMapOvr>
-</p:sld>
-</file>
-
-<file path=ppt/slides/slide47.xml><?xml version="1.0" encoding="utf-8"?>
-<p:sld xmlns:a="http://schemas.openxmlformats.org/drawingml/2006/main" xmlns:p="http://schemas.openxmlformats.org/presentationml/2006/main" xmlns:r="http://schemas.openxmlformats.org/officeDocument/2006/relationships">
-  <p:cSld>
-    <p:spTree>
-      <p:nvGrpSpPr>
-        <p:cNvPr id="1" name=""/>
-        <p:cNvGrpSpPr/>
-        <p:nvPr/>
-      </p:nvGrpSpPr>
-      <p:grpSpPr/>
-      <p:sp>
-        <p:nvSpPr>
-          <p:cNvPr id="2" name="Title 1"/>
-          <p:cNvSpPr>
-            <a:spLocks noGrp="1"/>
-          </p:cNvSpPr>
-          <p:nvPr>
-            <p:ph type="title"/>
-          </p:nvPr>
-        </p:nvSpPr>
-        <p:spPr/>
-        <p:txBody>
-          <a:bodyPr/>
-          <a:lstStyle/>
-          <a:p>
-            <a:r>
-              <a:t>布什的思路Memex个人计算机</a:t>
-            </a:r>
-          </a:p>
-        </p:txBody>
-      </p:sp>
-    </p:spTree>
-  </p:cSld>
-  <p:clrMapOvr>
-    <a:masterClrMapping/>
-  </p:clrMapOvr>
-</p:sld>
-</file>
-
-<file path=ppt/slides/slide48.xml><?xml version="1.0" encoding="utf-8"?>
-<p:sld xmlns:a="http://schemas.openxmlformats.org/drawingml/2006/main" xmlns:p="http://schemas.openxmlformats.org/presentationml/2006/main" xmlns:r="http://schemas.openxmlformats.org/officeDocument/2006/relationships">
-  <p:cSld>
-    <p:spTree>
-      <p:nvGrpSpPr>
-        <p:cNvPr id="1" name=""/>
-        <p:cNvGrpSpPr/>
-        <p:nvPr/>
-      </p:nvGrpSpPr>
-      <p:grpSpPr/>
-      <p:sp>
-        <p:nvSpPr>
-          <p:cNvPr id="2" name="Title 1"/>
-          <p:cNvSpPr>
-            <a:spLocks noGrp="1"/>
-          </p:cNvSpPr>
-          <p:nvPr>
-            <p:ph type="title"/>
-          </p:nvPr>
-        </p:nvSpPr>
-        <p:spPr/>
-        <p:txBody>
-          <a:bodyPr/>
-          <a:lstStyle/>
-          <a:p>
-            <a:r>
-              <a:t>计算机的使用模式</a:t>
-            </a:r>
-          </a:p>
-        </p:txBody>
-      </p:sp>
-    </p:spTree>
-  </p:cSld>
-  <p:clrMapOvr>
-    <a:masterClrMapping/>
-  </p:clrMapOvr>
-</p:sld>
-</file>
-
-<file path=ppt/slides/slide49.xml><?xml version="1.0" encoding="utf-8"?>
-<p:sld xmlns:a="http://schemas.openxmlformats.org/drawingml/2006/main" xmlns:p="http://schemas.openxmlformats.org/presentationml/2006/main" xmlns:r="http://schemas.openxmlformats.org/officeDocument/2006/relationships">
-  <p:cSld>
-    <p:spTree>
-      <p:nvGrpSpPr>
-        <p:cNvPr id="1" name=""/>
-        <p:cNvGrpSpPr/>
-        <p:nvPr/>
-      </p:nvGrpSpPr>
-      <p:grpSpPr/>
-      <p:sp>
-        <p:nvSpPr>
-          <p:cNvPr id="2" name="Title 1"/>
-          <p:cNvSpPr>
-            <a:spLocks noGrp="1"/>
-          </p:cNvSpPr>
-          <p:nvPr>
-            <p:ph type="title"/>
-          </p:nvPr>
-        </p:nvSpPr>
-        <p:spPr/>
-        <p:txBody>
-          <a:bodyPr/>
-          <a:lstStyle/>
-          <a:p>
-            <a:r>
-              <a:t>倪光南发明联想式汉卡</a:t>
+              <a:t>Goal</a:t>
             </a:r>
           </a:p>
         </p:txBody>
@@ -4893,397 +3544,7 @@
           <a:lstStyle/>
           <a:p>
             <a:r>
-              <a:t>课程信息</a:t>
-            </a:r>
-          </a:p>
-        </p:txBody>
-      </p:sp>
-    </p:spTree>
-  </p:cSld>
-  <p:clrMapOvr>
-    <a:masterClrMapping/>
-  </p:clrMapOvr>
-</p:sld>
-</file>
-
-<file path=ppt/slides/slide50.xml><?xml version="1.0" encoding="utf-8"?>
-<p:sld xmlns:a="http://schemas.openxmlformats.org/drawingml/2006/main" xmlns:p="http://schemas.openxmlformats.org/presentationml/2006/main" xmlns:r="http://schemas.openxmlformats.org/officeDocument/2006/relationships">
-  <p:cSld>
-    <p:spTree>
-      <p:nvGrpSpPr>
-        <p:cNvPr id="1" name=""/>
-        <p:cNvGrpSpPr/>
-        <p:nvPr/>
-      </p:nvGrpSpPr>
-      <p:grpSpPr/>
-      <p:sp>
-        <p:nvSpPr>
-          <p:cNvPr id="2" name="Title 1"/>
-          <p:cNvSpPr>
-            <a:spLocks noGrp="1"/>
-          </p:cNvSpPr>
-          <p:nvPr>
-            <p:ph type="title"/>
-          </p:nvPr>
-        </p:nvSpPr>
-        <p:spPr/>
-        <p:txBody>
-          <a:bodyPr/>
-          <a:lstStyle/>
-          <a:p>
-            <a:r>
-              <a:t>文言文编程语言</a:t>
-            </a:r>
-          </a:p>
-        </p:txBody>
-      </p:sp>
-    </p:spTree>
-  </p:cSld>
-  <p:clrMapOvr>
-    <a:masterClrMapping/>
-  </p:clrMapOvr>
-</p:sld>
-</file>
-
-<file path=ppt/slides/slide51.xml><?xml version="1.0" encoding="utf-8"?>
-<p:sld xmlns:a="http://schemas.openxmlformats.org/drawingml/2006/main" xmlns:p="http://schemas.openxmlformats.org/presentationml/2006/main" xmlns:r="http://schemas.openxmlformats.org/officeDocument/2006/relationships">
-  <p:cSld>
-    <p:spTree>
-      <p:nvGrpSpPr>
-        <p:cNvPr id="1" name=""/>
-        <p:cNvGrpSpPr/>
-        <p:nvPr/>
-      </p:nvGrpSpPr>
-      <p:grpSpPr/>
-      <p:sp>
-        <p:nvSpPr>
-          <p:cNvPr id="2" name="Title 1"/>
-          <p:cNvSpPr>
-            <a:spLocks noGrp="1"/>
-          </p:cNvSpPr>
-          <p:nvPr>
-            <p:ph type="title"/>
-          </p:nvPr>
-        </p:nvSpPr>
-        <p:spPr/>
-        <p:txBody>
-          <a:bodyPr/>
-          <a:lstStyle/>
-          <a:p>
-            <a:r>
-              <a:t>在尧舜时代人们使用结绳和数手指来计算当时怎么能够预料到几百代人之后计算机的巧妙呢计算机比鲁班公输盘的木鸢更加精巧比诸葛亮武侯的木牛流马更好此外编程语言数量众多如同天官书记录的星宿一般多又比山海经中记录的飞禽走兽还要奇特Go鼠Rust蟹Ruby鑽Fishshell鱼因速度而出名Python蛇Php象Perl骆和JavaScript犀则各有独特之处我这才理解到为什么鬼会夜哭天上会下粟雨但以往从未有人使用过文言文进行编程这并不是传承文脉保护文心的好方法所以我才产生了用文言文编程的想法我目前还太年轻读过的书也没有破万卷如今身处遥远的国家美国也很久没有接触中文了但是我一直对文学很有兴趣编写的程序有时候也得到人们的一些肯定正如王希孟和庄子一般并不因为年轻或者知识的浩瀚无涯而退缩于是写下了这些话我既没有像李贺那样呕心沥血也没有像李商隐那样口角流沫形容读书勤奋项目完成后我将继续以干将铸剑的精神勉励自己带着越王卧薪尝胆的精神继续向前我自己虽想效仿算经十书的笔法只是遗憾没有唐宋八大家那样淋漓的文笔正如庾信在哀江南赋所写陆机听了心甘情愿地拍掌张衡见了将轻视它也是理所当然意指如果被人嘲笑也是理所当然我不会太过介意尽管这项目只有覆瓮的价值一点微小的工作但是还有完善的空间虽然没有像吕不韦那样有一字千金的本钱但是我对交流的渴望是一样的这也正是开源的精神内核我们以此互相勉励吧</a:t>
-            </a:r>
-          </a:p>
-        </p:txBody>
-      </p:sp>
-    </p:spTree>
-  </p:cSld>
-  <p:clrMapOvr>
-    <a:masterClrMapping/>
-  </p:clrMapOvr>
-</p:sld>
-</file>
-
-<file path=ppt/slides/slide52.xml><?xml version="1.0" encoding="utf-8"?>
-<p:sld xmlns:a="http://schemas.openxmlformats.org/drawingml/2006/main" xmlns:p="http://schemas.openxmlformats.org/presentationml/2006/main" xmlns:r="http://schemas.openxmlformats.org/officeDocument/2006/relationships">
-  <p:cSld>
-    <p:spTree>
-      <p:nvGrpSpPr>
-        <p:cNvPr id="1" name=""/>
-        <p:cNvGrpSpPr/>
-        <p:nvPr/>
-      </p:nvGrpSpPr>
-      <p:grpSpPr/>
-      <p:sp>
-        <p:nvSpPr>
-          <p:cNvPr id="2" name="Title 1"/>
-          <p:cNvSpPr>
-            <a:spLocks noGrp="1"/>
-          </p:cNvSpPr>
-          <p:nvPr>
-            <p:ph type="title"/>
-          </p:nvPr>
-        </p:nvSpPr>
-        <p:spPr/>
-        <p:txBody>
-          <a:bodyPr/>
-          <a:lstStyle/>
-          <a:p>
-            <a:r>
-              <a:t>wenyan-lang    Javascript  Python</a:t>
-            </a:r>
-          </a:p>
-        </p:txBody>
-      </p:sp>
-    </p:spTree>
-  </p:cSld>
-  <p:clrMapOvr>
-    <a:masterClrMapping/>
-  </p:clrMapOvr>
-</p:sld>
-</file>
-
-<file path=ppt/slides/slide53.xml><?xml version="1.0" encoding="utf-8"?>
-<p:sld xmlns:a="http://schemas.openxmlformats.org/drawingml/2006/main" xmlns:p="http://schemas.openxmlformats.org/presentationml/2006/main" xmlns:r="http://schemas.openxmlformats.org/officeDocument/2006/relationships">
-  <p:cSld>
-    <p:spTree>
-      <p:nvGrpSpPr>
-        <p:cNvPr id="1" name=""/>
-        <p:cNvGrpSpPr/>
-        <p:nvPr/>
-      </p:nvGrpSpPr>
-      <p:grpSpPr/>
-      <p:sp>
-        <p:nvSpPr>
-          <p:cNvPr id="2" name="Title 1"/>
-          <p:cNvSpPr>
-            <a:spLocks noGrp="1"/>
-          </p:cNvSpPr>
-          <p:nvPr>
-            <p:ph type="title"/>
-          </p:nvPr>
-        </p:nvSpPr>
-        <p:spPr/>
-        <p:txBody>
-          <a:bodyPr/>
-          <a:lstStyle/>
-          <a:p>
-            <a:r>
-              <a:t>Slide 53</a:t>
-            </a:r>
-          </a:p>
-        </p:txBody>
-      </p:sp>
-    </p:spTree>
-  </p:cSld>
-  <p:clrMapOvr>
-    <a:masterClrMapping/>
-  </p:clrMapOvr>
-</p:sld>
-</file>
-
-<file path=ppt/slides/slide54.xml><?xml version="1.0" encoding="utf-8"?>
-<p:sld xmlns:a="http://schemas.openxmlformats.org/drawingml/2006/main" xmlns:p="http://schemas.openxmlformats.org/presentationml/2006/main" xmlns:r="http://schemas.openxmlformats.org/officeDocument/2006/relationships">
-  <p:cSld>
-    <p:spTree>
-      <p:nvGrpSpPr>
-        <p:cNvPr id="1" name=""/>
-        <p:cNvGrpSpPr/>
-        <p:nvPr/>
-      </p:nvGrpSpPr>
-      <p:grpSpPr/>
-      <p:sp>
-        <p:nvSpPr>
-          <p:cNvPr id="2" name="Title 1"/>
-          <p:cNvSpPr>
-            <a:spLocks noGrp="1"/>
-          </p:cNvSpPr>
-          <p:nvPr>
-            <p:ph type="title"/>
-          </p:nvPr>
-        </p:nvSpPr>
-        <p:spPr/>
-        <p:txBody>
-          <a:bodyPr/>
-          <a:lstStyle/>
-          <a:p>
-            <a:r>
-              <a:t>易语言</a:t>
-            </a:r>
-          </a:p>
-        </p:txBody>
-      </p:sp>
-    </p:spTree>
-  </p:cSld>
-  <p:clrMapOvr>
-    <a:masterClrMapping/>
-  </p:clrMapOvr>
-</p:sld>
-</file>
-
-<file path=ppt/slides/slide55.xml><?xml version="1.0" encoding="utf-8"?>
-<p:sld xmlns:a="http://schemas.openxmlformats.org/drawingml/2006/main" xmlns:p="http://schemas.openxmlformats.org/presentationml/2006/main" xmlns:r="http://schemas.openxmlformats.org/officeDocument/2006/relationships">
-  <p:cSld>
-    <p:spTree>
-      <p:nvGrpSpPr>
-        <p:cNvPr id="1" name=""/>
-        <p:cNvGrpSpPr/>
-        <p:nvPr/>
-      </p:nvGrpSpPr>
-      <p:grpSpPr/>
-      <p:sp>
-        <p:nvSpPr>
-          <p:cNvPr id="2" name="Title 1"/>
-          <p:cNvSpPr>
-            <a:spLocks noGrp="1"/>
-          </p:cNvSpPr>
-          <p:nvPr>
-            <p:ph type="title"/>
-          </p:nvPr>
-        </p:nvSpPr>
-        <p:spPr/>
-        <p:txBody>
-          <a:bodyPr/>
-          <a:lstStyle/>
-          <a:p>
-            <a:r>
-              <a:t>图灵问题如何开发出智能应用</a:t>
-            </a:r>
-          </a:p>
-        </p:txBody>
-      </p:sp>
-    </p:spTree>
-  </p:cSld>
-  <p:clrMapOvr>
-    <a:masterClrMapping/>
-  </p:clrMapOvr>
-</p:sld>
-</file>
-
-<file path=ppt/slides/slide56.xml><?xml version="1.0" encoding="utf-8"?>
-<p:sld xmlns:a="http://schemas.openxmlformats.org/drawingml/2006/main" xmlns:p="http://schemas.openxmlformats.org/presentationml/2006/main" xmlns:r="http://schemas.openxmlformats.org/officeDocument/2006/relationships">
-  <p:cSld>
-    <p:spTree>
-      <p:nvGrpSpPr>
-        <p:cNvPr id="1" name=""/>
-        <p:cNvGrpSpPr/>
-        <p:nvPr/>
-      </p:nvGrpSpPr>
-      <p:grpSpPr/>
-      <p:sp>
-        <p:nvSpPr>
-          <p:cNvPr id="2" name="Title 1"/>
-          <p:cNvSpPr>
-            <a:spLocks noGrp="1"/>
-          </p:cNvSpPr>
-          <p:nvPr>
-            <p:ph type="title"/>
-          </p:nvPr>
-        </p:nvSpPr>
-        <p:spPr/>
-        <p:txBody>
-          <a:bodyPr/>
-          <a:lstStyle/>
-          <a:p>
-            <a:r>
-              <a:t>什么是智能智能应用示例</a:t>
-            </a:r>
-          </a:p>
-        </p:txBody>
-      </p:sp>
-    </p:spTree>
-  </p:cSld>
-  <p:clrMapOvr>
-    <a:masterClrMapping/>
-  </p:clrMapOvr>
-</p:sld>
-</file>
-
-<file path=ppt/slides/slide57.xml><?xml version="1.0" encoding="utf-8"?>
-<p:sld xmlns:a="http://schemas.openxmlformats.org/drawingml/2006/main" xmlns:p="http://schemas.openxmlformats.org/presentationml/2006/main" xmlns:r="http://schemas.openxmlformats.org/officeDocument/2006/relationships">
-  <p:cSld>
-    <p:spTree>
-      <p:nvGrpSpPr>
-        <p:cNvPr id="1" name=""/>
-        <p:cNvGrpSpPr/>
-        <p:nvPr/>
-      </p:nvGrpSpPr>
-      <p:grpSpPr/>
-      <p:sp>
-        <p:nvSpPr>
-          <p:cNvPr id="2" name="Title 1"/>
-          <p:cNvSpPr>
-            <a:spLocks noGrp="1"/>
-          </p:cNvSpPr>
-          <p:nvPr>
-            <p:ph type="title"/>
-          </p:nvPr>
-        </p:nvSpPr>
-        <p:spPr/>
-        <p:txBody>
-          <a:bodyPr/>
-          <a:lstStyle/>
-          <a:p>
-            <a:r>
-              <a:t>智能应用示例</a:t>
-            </a:r>
-          </a:p>
-        </p:txBody>
-      </p:sp>
-    </p:spTree>
-  </p:cSld>
-  <p:clrMapOvr>
-    <a:masterClrMapping/>
-  </p:clrMapOvr>
-</p:sld>
-</file>
-
-<file path=ppt/slides/slide58.xml><?xml version="1.0" encoding="utf-8"?>
-<p:sld xmlns:a="http://schemas.openxmlformats.org/drawingml/2006/main" xmlns:p="http://schemas.openxmlformats.org/presentationml/2006/main" xmlns:r="http://schemas.openxmlformats.org/officeDocument/2006/relationships">
-  <p:cSld>
-    <p:spTree>
-      <p:nvGrpSpPr>
-        <p:cNvPr id="1" name=""/>
-        <p:cNvGrpSpPr/>
-        <p:nvPr/>
-      </p:nvGrpSpPr>
-      <p:grpSpPr/>
-      <p:sp>
-        <p:nvSpPr>
-          <p:cNvPr id="2" name="Title 1"/>
-          <p:cNvSpPr>
-            <a:spLocks noGrp="1"/>
-          </p:cNvSpPr>
-          <p:nvPr>
-            <p:ph type="title"/>
-          </p:nvPr>
-        </p:nvSpPr>
-        <p:spPr/>
-        <p:txBody>
-          <a:bodyPr/>
-          <a:lstStyle/>
-          <a:p>
-            <a:r>
-              <a:t>一种观点人工智能发展的三次浪潮DARPA未来发展方向是AI的第三次浪潮综合感知学习抽象推理等功能实现可解释智能</a:t>
-            </a:r>
-          </a:p>
-        </p:txBody>
-      </p:sp>
-    </p:spTree>
-  </p:cSld>
-  <p:clrMapOvr>
-    <a:masterClrMapping/>
-  </p:clrMapOvr>
-</p:sld>
-</file>
-
-<file path=ppt/slides/slide59.xml><?xml version="1.0" encoding="utf-8"?>
-<p:sld xmlns:a="http://schemas.openxmlformats.org/drawingml/2006/main" xmlns:p="http://schemas.openxmlformats.org/presentationml/2006/main" xmlns:r="http://schemas.openxmlformats.org/officeDocument/2006/relationships">
-  <p:cSld>
-    <p:spTree>
-      <p:nvGrpSpPr>
-        <p:cNvPr id="1" name=""/>
-        <p:cNvGrpSpPr/>
-        <p:nvPr/>
-      </p:nvGrpSpPr>
-      <p:grpSpPr/>
-      <p:sp>
-        <p:nvSpPr>
-          <p:cNvPr id="2" name="Title 1"/>
-          <p:cNvSpPr>
-            <a:spLocks noGrp="1"/>
-          </p:cNvSpPr>
-          <p:nvPr>
-            <p:ph type="title"/>
-          </p:nvPr>
-        </p:nvSpPr>
-        <p:spPr/>
-        <p:txBody>
-          <a:bodyPr/>
-          <a:lstStyle/>
-          <a:p>
-            <a:r>
-              <a:t>实用的智能应用例子</a:t>
+              <a:t>Access Method Costs </a:t>
             </a:r>
           </a:p>
         </p:txBody>
@@ -5322,397 +3583,7 @@
           <a:lstStyle/>
           <a:p>
             <a:r>
-              <a:t>内容纲要</a:t>
-            </a:r>
-          </a:p>
-        </p:txBody>
-      </p:sp>
-    </p:spTree>
-  </p:cSld>
-  <p:clrMapOvr>
-    <a:masterClrMapping/>
-  </p:clrMapOvr>
-</p:sld>
-</file>
-
-<file path=ppt/slides/slide60.xml><?xml version="1.0" encoding="utf-8"?>
-<p:sld xmlns:a="http://schemas.openxmlformats.org/drawingml/2006/main" xmlns:p="http://schemas.openxmlformats.org/presentationml/2006/main" xmlns:r="http://schemas.openxmlformats.org/officeDocument/2006/relationships">
-  <p:cSld>
-    <p:spTree>
-      <p:nvGrpSpPr>
-        <p:cNvPr id="1" name=""/>
-        <p:cNvGrpSpPr/>
-        <p:nvPr/>
-      </p:nvGrpSpPr>
-      <p:grpSpPr/>
-      <p:sp>
-        <p:nvSpPr>
-          <p:cNvPr id="2" name="Title 1"/>
-          <p:cNvSpPr>
-            <a:spLocks noGrp="1"/>
-          </p:cNvSpPr>
-          <p:nvPr>
-            <p:ph type="title"/>
-          </p:nvPr>
-        </p:nvSpPr>
-        <p:spPr/>
-        <p:txBody>
-          <a:bodyPr/>
-          <a:lstStyle/>
-          <a:p>
-            <a:r>
-              <a:t>5. 本课程的要点对计算思维的十种理解</a:t>
-            </a:r>
-          </a:p>
-        </p:txBody>
-      </p:sp>
-    </p:spTree>
-  </p:cSld>
-  <p:clrMapOvr>
-    <a:masterClrMapping/>
-  </p:clrMapOvr>
-</p:sld>
-</file>
-
-<file path=ppt/slides/slide61.xml><?xml version="1.0" encoding="utf-8"?>
-<p:sld xmlns:a="http://schemas.openxmlformats.org/drawingml/2006/main" xmlns:p="http://schemas.openxmlformats.org/presentationml/2006/main" xmlns:r="http://schemas.openxmlformats.org/officeDocument/2006/relationships">
-  <p:cSld>
-    <p:spTree>
-      <p:nvGrpSpPr>
-        <p:cNvPr id="1" name=""/>
-        <p:cNvGrpSpPr/>
-        <p:nvPr/>
-      </p:nvGrpSpPr>
-      <p:grpSpPr/>
-      <p:sp>
-        <p:nvSpPr>
-          <p:cNvPr id="2" name="Title 1"/>
-          <p:cNvSpPr>
-            <a:spLocks noGrp="1"/>
-          </p:cNvSpPr>
-          <p:nvPr>
-            <p:ph type="title"/>
-          </p:nvPr>
-        </p:nvSpPr>
-        <p:spPr/>
-        <p:txBody>
-          <a:bodyPr/>
-          <a:lstStyle/>
-          <a:p>
-            <a:r>
-              <a:t>对计算思维的十种理解</a:t>
-            </a:r>
-          </a:p>
-        </p:txBody>
-      </p:sp>
-    </p:spTree>
-  </p:cSld>
-  <p:clrMapOvr>
-    <a:masterClrMapping/>
-  </p:clrMapOvr>
-</p:sld>
-</file>
-
-<file path=ppt/slides/slide62.xml><?xml version="1.0" encoding="utf-8"?>
-<p:sld xmlns:a="http://schemas.openxmlformats.org/drawingml/2006/main" xmlns:p="http://schemas.openxmlformats.org/presentationml/2006/main" xmlns:r="http://schemas.openxmlformats.org/officeDocument/2006/relationships">
-  <p:cSld>
-    <p:spTree>
-      <p:nvGrpSpPr>
-        <p:cNvPr id="1" name=""/>
-        <p:cNvGrpSpPr/>
-        <p:nvPr/>
-      </p:nvGrpSpPr>
-      <p:grpSpPr/>
-      <p:sp>
-        <p:nvSpPr>
-          <p:cNvPr id="2" name="Title 1"/>
-          <p:cNvSpPr>
-            <a:spLocks noGrp="1"/>
-          </p:cNvSpPr>
-          <p:nvPr>
-            <p:ph type="title"/>
-          </p:nvPr>
-        </p:nvSpPr>
-        <p:spPr/>
-        <p:txBody>
-          <a:bodyPr/>
-          <a:lstStyle/>
-          <a:p>
-            <a:r>
-              <a:t>计算机科学的重要抽象举例</a:t>
-            </a:r>
-          </a:p>
-        </p:txBody>
-      </p:sp>
-    </p:spTree>
-  </p:cSld>
-  <p:clrMapOvr>
-    <a:masterClrMapping/>
-  </p:clrMapOvr>
-</p:sld>
-</file>
-
-<file path=ppt/slides/slide63.xml><?xml version="1.0" encoding="utf-8"?>
-<p:sld xmlns:a="http://schemas.openxmlformats.org/drawingml/2006/main" xmlns:p="http://schemas.openxmlformats.org/presentationml/2006/main" xmlns:r="http://schemas.openxmlformats.org/officeDocument/2006/relationships">
-  <p:cSld>
-    <p:spTree>
-      <p:nvGrpSpPr>
-        <p:cNvPr id="1" name=""/>
-        <p:cNvGrpSpPr/>
-        <p:nvPr/>
-      </p:nvGrpSpPr>
-      <p:grpSpPr/>
-      <p:sp>
-        <p:nvSpPr>
-          <p:cNvPr id="2" name="Title 1"/>
-          <p:cNvSpPr>
-            <a:spLocks noGrp="1"/>
-          </p:cNvSpPr>
-          <p:nvPr>
-            <p:ph type="title"/>
-          </p:nvPr>
-        </p:nvSpPr>
-        <p:spPr/>
-        <p:txBody>
-          <a:bodyPr/>
-          <a:lstStyle/>
-          <a:p>
-            <a:r>
-              <a:t>随时回到本源计算过程是通过操作数字符号变换信息的过程</a:t>
-            </a:r>
-          </a:p>
-        </p:txBody>
-      </p:sp>
-    </p:spTree>
-  </p:cSld>
-  <p:clrMapOvr>
-    <a:masterClrMapping/>
-  </p:clrMapOvr>
-</p:sld>
-</file>
-
-<file path=ppt/slides/slide64.xml><?xml version="1.0" encoding="utf-8"?>
-<p:sld xmlns:a="http://schemas.openxmlformats.org/drawingml/2006/main" xmlns:p="http://schemas.openxmlformats.org/presentationml/2006/main" xmlns:r="http://schemas.openxmlformats.org/officeDocument/2006/relationships">
-  <p:cSld>
-    <p:spTree>
-      <p:nvGrpSpPr>
-        <p:cNvPr id="1" name=""/>
-        <p:cNvGrpSpPr/>
-        <p:nvPr/>
-      </p:nvGrpSpPr>
-      <p:grpSpPr/>
-      <p:sp>
-        <p:nvSpPr>
-          <p:cNvPr id="2" name="Title 1"/>
-          <p:cNvSpPr>
-            <a:spLocks noGrp="1"/>
-          </p:cNvSpPr>
-          <p:nvPr>
-            <p:ph type="title"/>
-          </p:nvPr>
-        </p:nvSpPr>
-        <p:spPr/>
-        <p:txBody>
-          <a:bodyPr/>
-          <a:lstStyle/>
-          <a:p>
-            <a:r>
-              <a:t>符号有窍门二进制补码例子-127到127的整数加法</a:t>
-            </a:r>
-          </a:p>
-        </p:txBody>
-      </p:sp>
-    </p:spTree>
-  </p:cSld>
-  <p:clrMapOvr>
-    <a:masterClrMapping/>
-  </p:clrMapOvr>
-</p:sld>
-</file>
-
-<file path=ppt/slides/slide65.xml><?xml version="1.0" encoding="utf-8"?>
-<p:sld xmlns:a="http://schemas.openxmlformats.org/drawingml/2006/main" xmlns:p="http://schemas.openxmlformats.org/presentationml/2006/main" xmlns:r="http://schemas.openxmlformats.org/officeDocument/2006/relationships">
-  <p:cSld>
-    <p:spTree>
-      <p:nvGrpSpPr>
-        <p:cNvPr id="1" name=""/>
-        <p:cNvGrpSpPr/>
-        <p:nvPr/>
-      </p:nvGrpSpPr>
-      <p:grpSpPr/>
-      <p:sp>
-        <p:nvSpPr>
-          <p:cNvPr id="2" name="Title 1"/>
-          <p:cNvSpPr>
-            <a:spLocks noGrp="1"/>
-          </p:cNvSpPr>
-          <p:nvPr>
-            <p:ph type="title"/>
-          </p:nvPr>
-        </p:nvSpPr>
-        <p:spPr/>
-        <p:txBody>
-          <a:bodyPr/>
-          <a:lstStyle/>
-          <a:p>
-            <a:r>
-              <a:t>如何表示实数浮点数概念</a:t>
-            </a:r>
-          </a:p>
-        </p:txBody>
-      </p:sp>
-    </p:spTree>
-  </p:cSld>
-  <p:clrMapOvr>
-    <a:masterClrMapping/>
-  </p:clrMapOvr>
-</p:sld>
-</file>
-
-<file path=ppt/slides/slide66.xml><?xml version="1.0" encoding="utf-8"?>
-<p:sld xmlns:a="http://schemas.openxmlformats.org/drawingml/2006/main" xmlns:p="http://schemas.openxmlformats.org/presentationml/2006/main" xmlns:r="http://schemas.openxmlformats.org/officeDocument/2006/relationships">
-  <p:cSld>
-    <p:spTree>
-      <p:nvGrpSpPr>
-        <p:cNvPr id="1" name=""/>
-        <p:cNvGrpSpPr/>
-        <p:nvPr/>
-      </p:nvGrpSpPr>
-      <p:grpSpPr/>
-      <p:sp>
-        <p:nvSpPr>
-          <p:cNvPr id="2" name="Title 1"/>
-          <p:cNvSpPr>
-            <a:spLocks noGrp="1"/>
-          </p:cNvSpPr>
-          <p:nvPr>
-            <p:ph type="title"/>
-          </p:nvPr>
-        </p:nvSpPr>
-        <p:spPr/>
-        <p:txBody>
-          <a:bodyPr/>
-          <a:lstStyle/>
-          <a:p>
-            <a:r>
-              <a:t>必须考虑异常并巧妙处理</a:t>
-            </a:r>
-          </a:p>
-        </p:txBody>
-      </p:sp>
-    </p:spTree>
-  </p:cSld>
-  <p:clrMapOvr>
-    <a:masterClrMapping/>
-  </p:clrMapOvr>
-</p:sld>
-</file>
-
-<file path=ppt/slides/slide67.xml><?xml version="1.0" encoding="utf-8"?>
-<p:sld xmlns:a="http://schemas.openxmlformats.org/drawingml/2006/main" xmlns:p="http://schemas.openxmlformats.org/presentationml/2006/main" xmlns:r="http://schemas.openxmlformats.org/officeDocument/2006/relationships">
-  <p:cSld>
-    <p:spTree>
-      <p:nvGrpSpPr>
-        <p:cNvPr id="1" name=""/>
-        <p:cNvGrpSpPr/>
-        <p:nvPr/>
-      </p:nvGrpSpPr>
-      <p:grpSpPr/>
-      <p:sp>
-        <p:nvSpPr>
-          <p:cNvPr id="2" name="Title 1"/>
-          <p:cNvSpPr>
-            <a:spLocks noGrp="1"/>
-          </p:cNvSpPr>
-          <p:nvPr>
-            <p:ph type="title"/>
-          </p:nvPr>
-        </p:nvSpPr>
-        <p:spPr/>
-        <p:txBody>
-          <a:bodyPr/>
-          <a:lstStyle/>
-          <a:p>
-            <a:r>
-              <a:t>符号操作步骤过程</a:t>
-            </a:r>
-          </a:p>
-        </p:txBody>
-      </p:sp>
-    </p:spTree>
-  </p:cSld>
-  <p:clrMapOvr>
-    <a:masterClrMapping/>
-  </p:clrMapOvr>
-</p:sld>
-</file>
-
-<file path=ppt/slides/slide68.xml><?xml version="1.0" encoding="utf-8"?>
-<p:sld xmlns:a="http://schemas.openxmlformats.org/drawingml/2006/main" xmlns:p="http://schemas.openxmlformats.org/presentationml/2006/main" xmlns:r="http://schemas.openxmlformats.org/officeDocument/2006/relationships">
-  <p:cSld>
-    <p:spTree>
-      <p:nvGrpSpPr>
-        <p:cNvPr id="1" name=""/>
-        <p:cNvGrpSpPr/>
-        <p:nvPr/>
-      </p:nvGrpSpPr>
-      <p:grpSpPr/>
-      <p:sp>
-        <p:nvSpPr>
-          <p:cNvPr id="2" name="Title 1"/>
-          <p:cNvSpPr>
-            <a:spLocks noGrp="1"/>
-          </p:cNvSpPr>
-          <p:nvPr>
-            <p:ph type="title"/>
-          </p:nvPr>
-        </p:nvSpPr>
-        <p:spPr/>
-        <p:txBody>
-          <a:bodyPr/>
-          <a:lstStyle/>
-          <a:p>
-            <a:r>
-              <a:t>如何求3个数之和</a:t>
-            </a:r>
-          </a:p>
-        </p:txBody>
-      </p:sp>
-    </p:spTree>
-  </p:cSld>
-  <p:clrMapOvr>
-    <a:masterClrMapping/>
-  </p:clrMapOvr>
-</p:sld>
-</file>
-
-<file path=ppt/slides/slide69.xml><?xml version="1.0" encoding="utf-8"?>
-<p:sld xmlns:a="http://schemas.openxmlformats.org/drawingml/2006/main" xmlns:p="http://schemas.openxmlformats.org/presentationml/2006/main" xmlns:r="http://schemas.openxmlformats.org/officeDocument/2006/relationships">
-  <p:cSld>
-    <p:spTree>
-      <p:nvGrpSpPr>
-        <p:cNvPr id="1" name=""/>
-        <p:cNvGrpSpPr/>
-        <p:nvPr/>
-      </p:nvGrpSpPr>
-      <p:grpSpPr/>
-      <p:sp>
-        <p:nvSpPr>
-          <p:cNvPr id="2" name="Title 1"/>
-          <p:cNvSpPr>
-            <a:spLocks noGrp="1"/>
-          </p:cNvSpPr>
-          <p:nvPr>
-            <p:ph type="title"/>
-          </p:nvPr>
-        </p:nvSpPr>
-        <p:spPr/>
-        <p:txBody>
-          <a:bodyPr/>
-          <a:lstStyle/>
-          <a:p>
-            <a:r>
-              <a:t>如何求30亿个数之和</a:t>
+              <a:t>Queries</a:t>
             </a:r>
           </a:p>
         </p:txBody>
@@ -5751,202 +3622,7 @@
           <a:lstStyle/>
           <a:p>
             <a:r>
-              <a:t>交叉学科来源</a:t>
-            </a:r>
-          </a:p>
-        </p:txBody>
-      </p:sp>
-    </p:spTree>
-  </p:cSld>
-  <p:clrMapOvr>
-    <a:masterClrMapping/>
-  </p:clrMapOvr>
-</p:sld>
-</file>
-
-<file path=ppt/slides/slide70.xml><?xml version="1.0" encoding="utf-8"?>
-<p:sld xmlns:a="http://schemas.openxmlformats.org/drawingml/2006/main" xmlns:p="http://schemas.openxmlformats.org/presentationml/2006/main" xmlns:r="http://schemas.openxmlformats.org/officeDocument/2006/relationships">
-  <p:cSld>
-    <p:spTree>
-      <p:nvGrpSpPr>
-        <p:cNvPr id="1" name=""/>
-        <p:cNvGrpSpPr/>
-        <p:nvPr/>
-      </p:nvGrpSpPr>
-      <p:grpSpPr/>
-      <p:sp>
-        <p:nvSpPr>
-          <p:cNvPr id="2" name="Title 1"/>
-          <p:cNvSpPr>
-            <a:spLocks noGrp="1"/>
-          </p:cNvSpPr>
-          <p:nvPr>
-            <p:ph type="title"/>
-          </p:nvPr>
-        </p:nvSpPr>
-        <p:spPr/>
-        <p:txBody>
-          <a:bodyPr/>
-          <a:lstStyle/>
-          <a:p>
-            <a:r>
-              <a:t>用流程图描述计算过程</a:t>
-            </a:r>
-          </a:p>
-        </p:txBody>
-      </p:sp>
-    </p:spTree>
-  </p:cSld>
-  <p:clrMapOvr>
-    <a:masterClrMapping/>
-  </p:clrMapOvr>
-</p:sld>
-</file>
-
-<file path=ppt/slides/slide71.xml><?xml version="1.0" encoding="utf-8"?>
-<p:sld xmlns:a="http://schemas.openxmlformats.org/drawingml/2006/main" xmlns:p="http://schemas.openxmlformats.org/presentationml/2006/main" xmlns:r="http://schemas.openxmlformats.org/officeDocument/2006/relationships">
-  <p:cSld>
-    <p:spTree>
-      <p:nvGrpSpPr>
-        <p:cNvPr id="1" name=""/>
-        <p:cNvGrpSpPr/>
-        <p:nvPr/>
-      </p:nvGrpSpPr>
-      <p:grpSpPr/>
-      <p:sp>
-        <p:nvSpPr>
-          <p:cNvPr id="2" name="Title 1"/>
-          <p:cNvSpPr>
-            <a:spLocks noGrp="1"/>
-          </p:cNvSpPr>
-          <p:nvPr>
-            <p:ph type="title"/>
-          </p:nvPr>
-        </p:nvSpPr>
-        <p:spPr/>
-        <p:txBody>
-          <a:bodyPr/>
-          <a:lstStyle/>
-          <a:p>
-            <a:r>
-              <a:t>理解1计算机自动执行由离散步骤组成的计算过程</a:t>
-            </a:r>
-          </a:p>
-        </p:txBody>
-      </p:sp>
-    </p:spTree>
-  </p:cSld>
-  <p:clrMapOvr>
-    <a:masterClrMapping/>
-  </p:clrMapOvr>
-</p:sld>
-</file>
-
-<file path=ppt/slides/slide72.xml><?xml version="1.0" encoding="utf-8"?>
-<p:sld xmlns:a="http://schemas.openxmlformats.org/drawingml/2006/main" xmlns:p="http://schemas.openxmlformats.org/presentationml/2006/main" xmlns:r="http://schemas.openxmlformats.org/officeDocument/2006/relationships">
-  <p:cSld>
-    <p:spTree>
-      <p:nvGrpSpPr>
-        <p:cNvPr id="1" name=""/>
-        <p:cNvGrpSpPr/>
-        <p:nvPr/>
-      </p:nvGrpSpPr>
-      <p:grpSpPr/>
-      <p:sp>
-        <p:nvSpPr>
-          <p:cNvPr id="2" name="Title 1"/>
-          <p:cNvSpPr>
-            <a:spLocks noGrp="1"/>
-          </p:cNvSpPr>
-          <p:nvPr>
-            <p:ph type="title"/>
-          </p:nvPr>
-        </p:nvSpPr>
-        <p:spPr/>
-        <p:txBody>
-          <a:bodyPr/>
-          <a:lstStyle/>
-          <a:p>
-            <a:r>
-              <a:t>计算过程自动执行的要点PC机制需要存储程序</a:t>
-            </a:r>
-          </a:p>
-        </p:txBody>
-      </p:sp>
-    </p:spTree>
-  </p:cSld>
-  <p:clrMapOvr>
-    <a:masterClrMapping/>
-  </p:clrMapOvr>
-</p:sld>
-</file>
-
-<file path=ppt/slides/slide73.xml><?xml version="1.0" encoding="utf-8"?>
-<p:sld xmlns:a="http://schemas.openxmlformats.org/drawingml/2006/main" xmlns:p="http://schemas.openxmlformats.org/presentationml/2006/main" xmlns:r="http://schemas.openxmlformats.org/officeDocument/2006/relationships">
-  <p:cSld>
-    <p:spTree>
-      <p:nvGrpSpPr>
-        <p:cNvPr id="1" name=""/>
-        <p:cNvGrpSpPr/>
-        <p:nvPr/>
-      </p:nvGrpSpPr>
-      <p:grpSpPr/>
-      <p:sp>
-        <p:nvSpPr>
-          <p:cNvPr id="2" name="Title 1"/>
-          <p:cNvSpPr>
-            <a:spLocks noGrp="1"/>
-          </p:cNvSpPr>
-          <p:nvPr>
-            <p:ph type="title"/>
-          </p:nvPr>
-        </p:nvSpPr>
-        <p:spPr/>
-        <p:txBody>
-          <a:bodyPr/>
-          <a:lstStyle/>
-          <a:p>
-            <a:r>
-              <a:t>自动执行与无缝衔接</a:t>
-            </a:r>
-          </a:p>
-        </p:txBody>
-      </p:sp>
-    </p:spTree>
-  </p:cSld>
-  <p:clrMapOvr>
-    <a:masterClrMapping/>
-  </p:clrMapOvr>
-</p:sld>
-</file>
-
-<file path=ppt/slides/slide74.xml><?xml version="1.0" encoding="utf-8"?>
-<p:sld xmlns:a="http://schemas.openxmlformats.org/drawingml/2006/main" xmlns:p="http://schemas.openxmlformats.org/presentationml/2006/main" xmlns:r="http://schemas.openxmlformats.org/officeDocument/2006/relationships">
-  <p:cSld>
-    <p:spTree>
-      <p:nvGrpSpPr>
-        <p:cNvPr id="1" name=""/>
-        <p:cNvGrpSpPr/>
-        <p:nvPr/>
-      </p:nvGrpSpPr>
-      <p:grpSpPr/>
-      <p:sp>
-        <p:nvSpPr>
-          <p:cNvPr id="2" name="Title 1"/>
-          <p:cNvSpPr>
-            <a:spLocks noGrp="1"/>
-          </p:cNvSpPr>
-          <p:nvPr>
-            <p:ph type="title"/>
-          </p:nvPr>
-        </p:nvSpPr>
-        <p:spPr/>
-        <p:txBody>
-          <a:bodyPr/>
-          <a:lstStyle/>
-          <a:p>
-            <a:r>
-              <a:t>感谢关注</a:t>
+              <a:t>Queries                   - Special cases !</a:t>
             </a:r>
           </a:p>
         </p:txBody>
@@ -5985,7 +3661,7 @@
           <a:lstStyle/>
           <a:p>
             <a:r>
-              <a:t>交叉学科来源</a:t>
+              <a:t>Cost parameters</a:t>
             </a:r>
           </a:p>
         </p:txBody>
@@ -6024,7 +3700,7 @@
           <a:lstStyle/>
           <a:p>
             <a:r>
-              <a:t>交叉学科类型</a:t>
+              <a:t>Index pagination &amp;amp; Data Clustering</a:t>
             </a:r>
           </a:p>
         </p:txBody>
